--- a/서버프로그램 구현 시험.pptx
+++ b/서버프로그램 구현 시험.pptx
@@ -3614,8 +3614,8 @@
         </p:blipFill>
         <p:spPr>
           <a:xfrm>
-            <a:off x="211183" y="2924612"/>
-            <a:ext cx="2807352" cy="1396439"/>
+            <a:off x="313509" y="2924612"/>
+            <a:ext cx="2705026" cy="1396439"/>
           </a:xfrm>
         </p:spPr>
       </p:pic>
@@ -3723,9 +3723,9 @@
           <p:nvPr/>
         </p:nvCxnSpPr>
         <p:spPr>
-          <a:xfrm flipV="1">
-            <a:off x="3018535" y="3622831"/>
-            <a:ext cx="1213831" cy="1"/>
+          <a:xfrm>
+            <a:off x="3018535" y="3622832"/>
+            <a:ext cx="1213831" cy="0"/>
           </a:xfrm>
           <a:prstGeom prst="straightConnector1">
             <a:avLst/>
@@ -3786,25 +3786,8 @@
                 <a:effectLst/>
                 <a:latin typeface="-apple-system"/>
               </a:rPr>
-              <a:t>Go to the created planner </a:t>
-            </a:r>
-            <a:r>
-              <a:rPr lang="en-US" altLang="ko-KR" sz="2000" b="1" i="0" dirty="0" err="1">
-                <a:solidFill>
-                  <a:srgbClr val="222225"/>
-                </a:solidFill>
-                <a:effectLst/>
-                <a:latin typeface="-apple-system"/>
-              </a:rPr>
-              <a:t>db</a:t>
-            </a:r>
-            <a:endParaRPr lang="en-US" altLang="ko-KR" sz="2000" b="1" i="0" dirty="0">
-              <a:solidFill>
-                <a:srgbClr val="222225"/>
-              </a:solidFill>
-              <a:effectLst/>
-              <a:latin typeface="-apple-system"/>
-            </a:endParaRPr>
+              <a:t>Go to the created planner DB</a:t>
+            </a:r>
           </a:p>
           <a:p>
             <a:br>
@@ -3880,7 +3863,7 @@
         </p:nvSpPr>
         <p:spPr>
           <a:xfrm>
-            <a:off x="731520" y="2524502"/>
+            <a:off x="895170" y="2524502"/>
             <a:ext cx="1541704" cy="400110"/>
           </a:xfrm>
           <a:prstGeom prst="rect">
@@ -4019,35 +4002,6 @@
           <a:chExt cx="0" cy="0"/>
         </a:xfrm>
       </p:grpSpPr>
-      <p:pic>
-        <p:nvPicPr>
-          <p:cNvPr id="28" name="그림 27">
-            <a:extLst>
-              <a:ext uri="{FF2B5EF4-FFF2-40B4-BE49-F238E27FC236}">
-                <a16:creationId xmlns:a16="http://schemas.microsoft.com/office/drawing/2014/main" id="{2B64D9BA-D10E-4A6A-A6F4-EE38A5E19726}"/>
-              </a:ext>
-            </a:extLst>
-          </p:cNvPr>
-          <p:cNvPicPr>
-            <a:picLocks noChangeAspect="1"/>
-          </p:cNvPicPr>
-          <p:nvPr/>
-        </p:nvPicPr>
-        <p:blipFill rotWithShape="1">
-          <a:blip r:embed="rId2"/>
-          <a:srcRect l="29968" t="15779" r="36118" b="35618"/>
-          <a:stretch/>
-        </p:blipFill>
-        <p:spPr>
-          <a:xfrm>
-            <a:off x="414017" y="1722346"/>
-            <a:ext cx="1090613" cy="945039"/>
-          </a:xfrm>
-          <a:prstGeom prst="rect">
-            <a:avLst/>
-          </a:prstGeom>
-        </p:spPr>
-      </p:pic>
       <p:sp>
         <p:nvSpPr>
           <p:cNvPr id="2" name="제목 1">
@@ -4105,7 +4059,7 @@
           </p:nvPr>
         </p:nvPicPr>
         <p:blipFill rotWithShape="1">
-          <a:blip r:embed="rId3">
+          <a:blip r:embed="rId2">
             <a:extLst>
               <a:ext uri="{28A0092B-C50C-407E-A947-70E740481C1C}">
                 <a14:useLocalDpi xmlns:a14="http://schemas.microsoft.com/office/drawing/2010/main" val="0"/>
@@ -4136,7 +4090,7 @@
         </p:nvSpPr>
         <p:spPr>
           <a:xfrm>
-            <a:off x="590594" y="1872834"/>
+            <a:off x="809193" y="1794755"/>
             <a:ext cx="567645" cy="565566"/>
           </a:xfrm>
           <a:prstGeom prst="ellipse">
@@ -4189,7 +4143,7 @@
           <p:nvPr/>
         </p:nvPicPr>
         <p:blipFill rotWithShape="1">
-          <a:blip r:embed="rId4">
+          <a:blip r:embed="rId3">
             <a:extLst>
               <a:ext uri="{28A0092B-C50C-407E-A947-70E740481C1C}">
                 <a14:useLocalDpi xmlns:a14="http://schemas.microsoft.com/office/drawing/2010/main" val="0"/>
@@ -4273,18 +4227,19 @@
           <p:cNvCxnSpPr>
             <a:cxnSpLocks/>
             <a:stCxn id="6" idx="2"/>
+            <a:endCxn id="9" idx="0"/>
           </p:cNvCxnSpPr>
           <p:nvPr/>
         </p:nvCxnSpPr>
         <p:spPr>
           <a:xfrm rot="10800000" flipH="1" flipV="1">
-            <a:off x="590594" y="2155617"/>
-            <a:ext cx="629342" cy="662256"/>
+            <a:off x="809193" y="2077537"/>
+            <a:ext cx="410744" cy="874041"/>
           </a:xfrm>
           <a:prstGeom prst="bentConnector4">
             <a:avLst>
-              <a:gd name="adj1" fmla="val -36324"/>
-              <a:gd name="adj2" fmla="val 71350"/>
+              <a:gd name="adj1" fmla="val -55655"/>
+              <a:gd name="adj2" fmla="val 66177"/>
             </a:avLst>
           </a:prstGeom>
           <a:ln w="38100">
@@ -4479,20 +4434,19 @@
           </p:cNvPr>
           <p:cNvCxnSpPr>
             <a:cxnSpLocks/>
-            <a:stCxn id="19" idx="3"/>
             <a:endCxn id="12" idx="1"/>
           </p:cNvCxnSpPr>
           <p:nvPr/>
         </p:nvCxnSpPr>
         <p:spPr>
           <a:xfrm>
-            <a:off x="4996740" y="6128594"/>
-            <a:ext cx="1275429" cy="13865"/>
+            <a:off x="4746171" y="6142459"/>
+            <a:ext cx="1525998" cy="0"/>
           </a:xfrm>
           <a:prstGeom prst="straightConnector1">
             <a:avLst/>
           </a:prstGeom>
-          <a:ln>
+          <a:ln w="38100">
             <a:tailEnd type="triangle"/>
           </a:ln>
         </p:spPr>
@@ -4580,6 +4534,42 @@
               <a:t>Planner Select</a:t>
             </a:r>
             <a:endParaRPr lang="ko-KR" altLang="en-US" sz="2000" b="1" dirty="0"/>
+          </a:p>
+        </p:txBody>
+      </p:sp>
+      <p:sp>
+        <p:nvSpPr>
+          <p:cNvPr id="34" name="TextBox 33">
+            <a:extLst>
+              <a:ext uri="{FF2B5EF4-FFF2-40B4-BE49-F238E27FC236}">
+                <a16:creationId xmlns:a16="http://schemas.microsoft.com/office/drawing/2014/main" id="{6E490EFE-19A5-4BE2-B306-7B9576C7F9DE}"/>
+              </a:ext>
+            </a:extLst>
+          </p:cNvPr>
+          <p:cNvSpPr txBox="1"/>
+          <p:nvPr/>
+        </p:nvSpPr>
+        <p:spPr>
+          <a:xfrm>
+            <a:off x="875287" y="1811273"/>
+            <a:ext cx="629343" cy="477054"/>
+          </a:xfrm>
+          <a:prstGeom prst="rect">
+            <a:avLst/>
+          </a:prstGeom>
+          <a:noFill/>
+        </p:spPr>
+        <p:txBody>
+          <a:bodyPr wrap="square" rtlCol="0">
+            <a:spAutoFit/>
+          </a:bodyPr>
+          <a:lstStyle/>
+          <a:p>
+            <a:r>
+              <a:rPr lang="en-US" altLang="ko-KR" sz="2500" dirty="0"/>
+              <a:t>17</a:t>
+            </a:r>
+            <a:endParaRPr lang="ko-KR" altLang="en-US" sz="2500" dirty="0"/>
           </a:p>
         </p:txBody>
       </p:sp>
@@ -4891,27 +4881,7 @@
                 <a:effectLst/>
                 <a:latin typeface="-apple-system"/>
               </a:rPr>
-              <a:t>Check in </a:t>
-            </a:r>
-            <a:r>
-              <a:rPr lang="en-US" altLang="ko-KR" sz="2000" b="1" i="0" dirty="0" err="1">
-                <a:solidFill>
-                  <a:srgbClr val="222225"/>
-                </a:solidFill>
-                <a:effectLst/>
-                <a:latin typeface="-apple-system"/>
-              </a:rPr>
-              <a:t>db</a:t>
-            </a:r>
-            <a:r>
-              <a:rPr lang="en-US" altLang="ko-KR" sz="2000" b="1" i="0" dirty="0">
-                <a:solidFill>
-                  <a:srgbClr val="222225"/>
-                </a:solidFill>
-                <a:effectLst/>
-                <a:latin typeface="-apple-system"/>
-              </a:rPr>
-              <a:t> after update</a:t>
+              <a:t>Check in DB after update</a:t>
             </a:r>
           </a:p>
           <a:p>
@@ -5659,17 +5629,7 @@
                 <a:effectLst/>
                 <a:latin typeface="-apple-system"/>
               </a:rPr>
-              <a:t>Delete and check in </a:t>
-            </a:r>
-            <a:r>
-              <a:rPr lang="en-US" altLang="ko-KR" sz="1800" b="1" i="0" dirty="0" err="1">
-                <a:solidFill>
-                  <a:srgbClr val="444447"/>
-                </a:solidFill>
-                <a:effectLst/>
-                <a:latin typeface="-apple-system"/>
-              </a:rPr>
-              <a:t>db</a:t>
+              <a:t>Delete and check in DB</a:t>
             </a:r>
             <a:endParaRPr lang="ko-KR" altLang="en-US" b="1" dirty="0"/>
           </a:p>
